--- a/CalendarioAgo23/Ejercicios/17_VLANs/Ejer17_VLANs.pptx
+++ b/CalendarioAgo23/Ejercicios/17_VLANs/Ejer17_VLANs.pptx
@@ -12803,8 +12803,8 @@
         </p:blipFill>
         <p:spPr>
           <a:xfrm>
-            <a:off x="5315197" y="3441126"/>
-            <a:ext cx="5900618" cy="3391871"/>
+            <a:off x="7436528" y="4659984"/>
+            <a:ext cx="3886200" cy="2233917"/>
           </a:xfrm>
           <a:prstGeom prst="rect">
             <a:avLst/>
@@ -12826,14 +12826,14 @@
           <p:nvPr>
             <p:extLst>
               <p:ext uri="{D42A27DB-BD31-4B8C-83A1-F6EECF244321}">
-                <p14:modId xmlns:p14="http://schemas.microsoft.com/office/powerpoint/2010/main" val="4027461328"/>
+                <p14:modId xmlns:p14="http://schemas.microsoft.com/office/powerpoint/2010/main" val="3546033866"/>
               </p:ext>
             </p:extLst>
           </p:nvPr>
         </p:nvGraphicFramePr>
         <p:xfrm>
-          <a:off x="914400" y="1336831"/>
-          <a:ext cx="10286999" cy="1822766"/>
+          <a:off x="952500" y="1135014"/>
+          <a:ext cx="10286999" cy="3503486"/>
         </p:xfrm>
         <a:graphic>
           <a:graphicData uri="http://schemas.openxmlformats.org/drawingml/2006/table">
@@ -13598,15 +13598,18 @@
                           <a:spcPts val="1800"/>
                         </a:lnSpc>
                       </a:pPr>
-                      <a:endParaRPr lang="es-MX" sz="1400" b="0" dirty="0">
-                        <a:solidFill>
-                          <a:schemeClr val="tx1"/>
-                        </a:solidFill>
-                        <a:effectLst/>
-                        <a:latin typeface="Arial" panose="020B0604020202020204" pitchFamily="34" charset="0"/>
-                        <a:ea typeface="Calibri" panose="020F0502020204030204" pitchFamily="34" charset="0"/>
-                        <a:cs typeface="Arial" panose="020B0604020202020204" pitchFamily="34" charset="0"/>
-                      </a:endParaRPr>
+                      <a:r>
+                        <a:rPr lang="es-MX" sz="1400" b="0" dirty="0">
+                          <a:solidFill>
+                            <a:schemeClr val="tx1"/>
+                          </a:solidFill>
+                          <a:effectLst/>
+                          <a:latin typeface="Arial" panose="020B0604020202020204" pitchFamily="34" charset="0"/>
+                          <a:ea typeface="Calibri" panose="020F0502020204030204" pitchFamily="34" charset="0"/>
+                          <a:cs typeface="Arial" panose="020B0604020202020204" pitchFamily="34" charset="0"/>
+                        </a:rPr>
+                        <a:t>2</a:t>
+                      </a:r>
                     </a:p>
                   </a:txBody>
                   <a:tcPr marL="0" marR="0" marT="0" marB="0" anchor="ctr">
@@ -13653,6 +13656,68 @@
                   <a:txBody>
                     <a:bodyPr/>
                     <a:lstStyle/>
+                    <a:p>
+                      <a:pPr marL="3810" marR="0" lvl="0" indent="0" algn="ctr" defTabSz="914400" eaLnBrk="1" fontAlgn="auto" latinLnBrk="0" hangingPunct="1">
+                        <a:lnSpc>
+                          <a:spcPts val="1800"/>
+                        </a:lnSpc>
+                        <a:spcBef>
+                          <a:spcPts val="0"/>
+                        </a:spcBef>
+                        <a:spcAft>
+                          <a:spcPts val="0"/>
+                        </a:spcAft>
+                        <a:buClrTx/>
+                        <a:buSzTx/>
+                        <a:buFontTx/>
+                        <a:buNone/>
+                        <a:tabLst/>
+                        <a:defRPr/>
+                      </a:pPr>
+                      <a:r>
+                        <a:rPr lang="es-MX" sz="1400" b="1" dirty="0">
+                          <a:solidFill>
+                            <a:schemeClr val="tx1"/>
+                          </a:solidFill>
+                          <a:effectLst/>
+                          <a:latin typeface="Arial" panose="020B0604020202020204" pitchFamily="34" charset="0"/>
+                          <a:ea typeface="Calibri" panose="020F0502020204030204" pitchFamily="34" charset="0"/>
+                          <a:cs typeface="Arial" panose="020B0604020202020204" pitchFamily="34" charset="0"/>
+                        </a:rPr>
+                        <a:t>192.168.1.128</a:t>
+                      </a:r>
+                    </a:p>
+                    <a:p>
+                      <a:pPr marL="3810" marR="0" lvl="0" indent="0" algn="ctr" defTabSz="914400" eaLnBrk="1" fontAlgn="auto" latinLnBrk="0" hangingPunct="1">
+                        <a:lnSpc>
+                          <a:spcPts val="1800"/>
+                        </a:lnSpc>
+                        <a:spcBef>
+                          <a:spcPts val="0"/>
+                        </a:spcBef>
+                        <a:spcAft>
+                          <a:spcPts val="0"/>
+                        </a:spcAft>
+                        <a:buClrTx/>
+                        <a:buSzTx/>
+                        <a:buFontTx/>
+                        <a:buNone/>
+                        <a:tabLst/>
+                        <a:defRPr/>
+                      </a:pPr>
+                      <a:r>
+                        <a:rPr lang="es-MX" sz="1400" b="1" dirty="0">
+                          <a:solidFill>
+                            <a:schemeClr val="tx1"/>
+                          </a:solidFill>
+                          <a:effectLst/>
+                          <a:latin typeface="Arial" panose="020B0604020202020204" pitchFamily="34" charset="0"/>
+                          <a:ea typeface="Calibri" panose="020F0502020204030204" pitchFamily="34" charset="0"/>
+                          <a:cs typeface="Arial" panose="020B0604020202020204" pitchFamily="34" charset="0"/>
+                        </a:rPr>
+                        <a:t>     .144</a:t>
+                      </a:r>
+                    </a:p>
                     <a:p>
                       <a:pPr marL="3810" algn="ctr">
                         <a:lnSpc>
@@ -13720,15 +13785,75 @@
                           <a:spcPts val="1800"/>
                         </a:lnSpc>
                       </a:pPr>
-                      <a:endParaRPr lang="es-MX" sz="1400" b="0" dirty="0">
-                        <a:solidFill>
-                          <a:schemeClr val="tx1"/>
-                        </a:solidFill>
-                        <a:effectLst/>
-                        <a:latin typeface="Arial" panose="020B0604020202020204" pitchFamily="34" charset="0"/>
-                        <a:ea typeface="Calibri" panose="020F0502020204030204" pitchFamily="34" charset="0"/>
-                        <a:cs typeface="Arial" panose="020B0604020202020204" pitchFamily="34" charset="0"/>
-                      </a:endParaRPr>
+                      <a:r>
+                        <a:rPr lang="es-MX" sz="1400" b="0" dirty="0">
+                          <a:solidFill>
+                            <a:schemeClr val="tx1"/>
+                          </a:solidFill>
+                          <a:effectLst/>
+                          <a:latin typeface="Arial" panose="020B0604020202020204" pitchFamily="34" charset="0"/>
+                          <a:ea typeface="Calibri" panose="020F0502020204030204" pitchFamily="34" charset="0"/>
+                          <a:cs typeface="Arial" panose="020B0604020202020204" pitchFamily="34" charset="0"/>
+                        </a:rPr>
+                        <a:t>255.255.255.11110000</a:t>
+                      </a:r>
+                    </a:p>
+                    <a:p>
+                      <a:pPr marL="5080" algn="ctr">
+                        <a:lnSpc>
+                          <a:spcPts val="1800"/>
+                        </a:lnSpc>
+                      </a:pPr>
+                      <a:r>
+                        <a:rPr lang="es-MX" sz="1400" b="0" dirty="0">
+                          <a:solidFill>
+                            <a:schemeClr val="tx1"/>
+                          </a:solidFill>
+                          <a:effectLst/>
+                          <a:latin typeface="Arial" panose="020B0604020202020204" pitchFamily="34" charset="0"/>
+                          <a:ea typeface="Calibri" panose="020F0502020204030204" pitchFamily="34" charset="0"/>
+                          <a:cs typeface="Arial" panose="020B0604020202020204" pitchFamily="34" charset="0"/>
+                        </a:rPr>
+                        <a:t>   .240</a:t>
+                      </a:r>
+                    </a:p>
+                    <a:p>
+                      <a:pPr marL="5080" algn="ctr">
+                        <a:lnSpc>
+                          <a:spcPts val="1800"/>
+                        </a:lnSpc>
+                      </a:pPr>
+                      <a:r>
+                        <a:rPr lang="es-MX" sz="1400" b="0" dirty="0">
+                          <a:solidFill>
+                            <a:schemeClr val="tx1"/>
+                          </a:solidFill>
+                          <a:effectLst/>
+                          <a:latin typeface="Arial" panose="020B0604020202020204" pitchFamily="34" charset="0"/>
+                          <a:ea typeface="Calibri" panose="020F0502020204030204" pitchFamily="34" charset="0"/>
+                          <a:cs typeface="Arial" panose="020B0604020202020204" pitchFamily="34" charset="0"/>
+                        </a:rPr>
+                        <a:t>256 – 240 = 16</a:t>
+                      </a:r>
+                    </a:p>
+                    <a:p>
+                      <a:pPr marL="5080" algn="ctr">
+                        <a:lnSpc>
+                          <a:spcPts val="1800"/>
+                        </a:lnSpc>
+                      </a:pPr>
+                      <a:r>
+                        <a:rPr lang="es-MX" sz="1400" b="0" dirty="0">
+                          <a:solidFill>
+                            <a:schemeClr val="tx1"/>
+                          </a:solidFill>
+                          <a:effectLst/>
+                          <a:latin typeface="Arial" panose="020B0604020202020204" pitchFamily="34" charset="0"/>
+                          <a:ea typeface="Calibri" panose="020F0502020204030204" pitchFamily="34" charset="0"/>
+                          <a:cs typeface="Arial" panose="020B0604020202020204" pitchFamily="34" charset="0"/>
+                        </a:rPr>
+                        <a:t>2 a la 4 = 16</a:t>
+                      </a:r>
                     </a:p>
                   </a:txBody>
                   <a:tcPr marL="0" marR="0" marT="0" marB="0" anchor="ctr">
@@ -13781,15 +13906,18 @@
                           <a:spcPts val="1800"/>
                         </a:lnSpc>
                       </a:pPr>
-                      <a:endParaRPr lang="es-MX" sz="1400" b="0" dirty="0">
-                        <a:solidFill>
-                          <a:schemeClr val="tx1"/>
-                        </a:solidFill>
-                        <a:effectLst/>
-                        <a:latin typeface="Arial" panose="020B0604020202020204" pitchFamily="34" charset="0"/>
-                        <a:ea typeface="Calibri" panose="020F0502020204030204" pitchFamily="34" charset="0"/>
-                        <a:cs typeface="Arial" panose="020B0604020202020204" pitchFamily="34" charset="0"/>
-                      </a:endParaRPr>
+                      <a:r>
+                        <a:rPr lang="es-MX" sz="1400" b="0" dirty="0">
+                          <a:solidFill>
+                            <a:schemeClr val="tx1"/>
+                          </a:solidFill>
+                          <a:effectLst/>
+                          <a:latin typeface="Arial" panose="020B0604020202020204" pitchFamily="34" charset="0"/>
+                          <a:ea typeface="Calibri" panose="020F0502020204030204" pitchFamily="34" charset="0"/>
+                          <a:cs typeface="Arial" panose="020B0604020202020204" pitchFamily="34" charset="0"/>
+                        </a:rPr>
+                        <a:t>28</a:t>
+                      </a:r>
                     </a:p>
                   </a:txBody>
                   <a:tcPr marL="0" marR="0" marT="0" marB="0" anchor="ctr">
@@ -14058,15 +14186,18 @@
                           <a:spcPts val="1800"/>
                         </a:lnSpc>
                       </a:pPr>
-                      <a:endParaRPr lang="es-MX" sz="1400" b="0" dirty="0">
-                        <a:solidFill>
-                          <a:schemeClr val="tx1"/>
-                        </a:solidFill>
-                        <a:effectLst/>
-                        <a:latin typeface="Arial" panose="020B0604020202020204" pitchFamily="34" charset="0"/>
-                        <a:ea typeface="Calibri" panose="020F0502020204030204" pitchFamily="34" charset="0"/>
-                        <a:cs typeface="Arial" panose="020B0604020202020204" pitchFamily="34" charset="0"/>
-                      </a:endParaRPr>
+                      <a:r>
+                        <a:rPr lang="es-MX" sz="1400" b="0" dirty="0">
+                          <a:solidFill>
+                            <a:schemeClr val="tx1"/>
+                          </a:solidFill>
+                          <a:effectLst/>
+                          <a:latin typeface="Arial" panose="020B0604020202020204" pitchFamily="34" charset="0"/>
+                          <a:ea typeface="Calibri" panose="020F0502020204030204" pitchFamily="34" charset="0"/>
+                          <a:cs typeface="Arial" panose="020B0604020202020204" pitchFamily="34" charset="0"/>
+                        </a:rPr>
+                        <a:t>1</a:t>
+                      </a:r>
                     </a:p>
                   </a:txBody>
                   <a:tcPr marL="0" marR="0" marT="0" marB="0" anchor="ctr">
@@ -14119,6 +14250,37 @@
                           <a:spcPts val="1800"/>
                         </a:lnSpc>
                       </a:pPr>
+                      <a:r>
+                        <a:rPr lang="es-MX" sz="1400" b="1" dirty="0">
+                          <a:solidFill>
+                            <a:schemeClr val="tx1"/>
+                          </a:solidFill>
+                          <a:effectLst/>
+                          <a:latin typeface="Arial" panose="020B0604020202020204" pitchFamily="34" charset="0"/>
+                          <a:ea typeface="Calibri" panose="020F0502020204030204" pitchFamily="34" charset="0"/>
+                          <a:cs typeface="Arial" panose="020B0604020202020204" pitchFamily="34" charset="0"/>
+                        </a:rPr>
+                        <a:t>192.168.1.0</a:t>
+                      </a:r>
+                    </a:p>
+                    <a:p>
+                      <a:pPr marL="3810" algn="ctr">
+                        <a:lnSpc>
+                          <a:spcPts val="1800"/>
+                        </a:lnSpc>
+                      </a:pPr>
+                      <a:r>
+                        <a:rPr lang="es-MX" sz="1400" b="1" dirty="0">
+                          <a:solidFill>
+                            <a:schemeClr val="tx1"/>
+                          </a:solidFill>
+                          <a:effectLst/>
+                          <a:latin typeface="Arial" panose="020B0604020202020204" pitchFamily="34" charset="0"/>
+                          <a:ea typeface="Calibri" panose="020F0502020204030204" pitchFamily="34" charset="0"/>
+                          <a:cs typeface="Arial" panose="020B0604020202020204" pitchFamily="34" charset="0"/>
+                        </a:rPr>
+                        <a:t>    1.128</a:t>
+                      </a:r>
                       <a:endParaRPr lang="es-MX" sz="1400" b="0" dirty="0">
                         <a:solidFill>
                           <a:schemeClr val="tx1"/>
@@ -14180,15 +14342,87 @@
                           <a:spcPts val="1800"/>
                         </a:lnSpc>
                       </a:pPr>
-                      <a:endParaRPr lang="es-MX" sz="1400" b="0" dirty="0">
-                        <a:solidFill>
-                          <a:schemeClr val="tx1"/>
-                        </a:solidFill>
-                        <a:effectLst/>
-                        <a:latin typeface="Arial" panose="020B0604020202020204" pitchFamily="34" charset="0"/>
-                        <a:ea typeface="Calibri" panose="020F0502020204030204" pitchFamily="34" charset="0"/>
-                        <a:cs typeface="Arial" panose="020B0604020202020204" pitchFamily="34" charset="0"/>
-                      </a:endParaRPr>
+                      <a:r>
+                        <a:rPr lang="es-MX" sz="1400" b="0" dirty="0">
+                          <a:solidFill>
+                            <a:schemeClr val="tx1"/>
+                          </a:solidFill>
+                          <a:effectLst/>
+                          <a:latin typeface="Arial" panose="020B0604020202020204" pitchFamily="34" charset="0"/>
+                          <a:ea typeface="Calibri" panose="020F0502020204030204" pitchFamily="34" charset="0"/>
+                          <a:cs typeface="Arial" panose="020B0604020202020204" pitchFamily="34" charset="0"/>
+                        </a:rPr>
+                        <a:t>255.255.255.</a:t>
+                      </a:r>
+                      <a:r>
+                        <a:rPr lang="es-MX" sz="1400" b="0" dirty="0">
+                          <a:solidFill>
+                            <a:srgbClr val="FF0000"/>
+                          </a:solidFill>
+                          <a:effectLst/>
+                          <a:latin typeface="Arial" panose="020B0604020202020204" pitchFamily="34" charset="0"/>
+                          <a:ea typeface="Calibri" panose="020F0502020204030204" pitchFamily="34" charset="0"/>
+                          <a:cs typeface="Arial" panose="020B0604020202020204" pitchFamily="34" charset="0"/>
+                        </a:rPr>
+                        <a:t>10000000</a:t>
+                      </a:r>
+                    </a:p>
+                    <a:p>
+                      <a:pPr marL="5080" algn="ctr">
+                        <a:lnSpc>
+                          <a:spcPts val="1800"/>
+                        </a:lnSpc>
+                      </a:pPr>
+                      <a:r>
+                        <a:rPr lang="es-MX" sz="1400" b="0" dirty="0">
+                          <a:solidFill>
+                            <a:schemeClr val="tx1"/>
+                          </a:solidFill>
+                          <a:effectLst/>
+                          <a:latin typeface="Arial" panose="020B0604020202020204" pitchFamily="34" charset="0"/>
+                          <a:ea typeface="Calibri" panose="020F0502020204030204" pitchFamily="34" charset="0"/>
+                          <a:cs typeface="Arial" panose="020B0604020202020204" pitchFamily="34" charset="0"/>
+                        </a:rPr>
+                        <a:t>  .128</a:t>
+                      </a:r>
+                    </a:p>
+                    <a:p>
+                      <a:pPr marL="5080" algn="ctr">
+                        <a:lnSpc>
+                          <a:spcPts val="1800"/>
+                        </a:lnSpc>
+                      </a:pPr>
+                      <a:r>
+                        <a:rPr lang="es-MX" sz="1400" b="0" dirty="0">
+                          <a:solidFill>
+                            <a:schemeClr val="tx1"/>
+                          </a:solidFill>
+                          <a:effectLst/>
+                          <a:latin typeface="Arial" panose="020B0604020202020204" pitchFamily="34" charset="0"/>
+                          <a:ea typeface="Calibri" panose="020F0502020204030204" pitchFamily="34" charset="0"/>
+                          <a:cs typeface="Arial" panose="020B0604020202020204" pitchFamily="34" charset="0"/>
+                        </a:rPr>
+                        <a:t>256 – 128 = 128</a:t>
+                      </a:r>
+                    </a:p>
+                    <a:p>
+                      <a:pPr marL="5080" algn="ctr">
+                        <a:lnSpc>
+                          <a:spcPts val="1800"/>
+                        </a:lnSpc>
+                      </a:pPr>
+                      <a:r>
+                        <a:rPr lang="es-MX" sz="1400" b="0" dirty="0">
+                          <a:solidFill>
+                            <a:schemeClr val="tx1"/>
+                          </a:solidFill>
+                          <a:effectLst/>
+                          <a:latin typeface="Arial" panose="020B0604020202020204" pitchFamily="34" charset="0"/>
+                          <a:ea typeface="Calibri" panose="020F0502020204030204" pitchFamily="34" charset="0"/>
+                          <a:cs typeface="Arial" panose="020B0604020202020204" pitchFamily="34" charset="0"/>
+                        </a:rPr>
+                        <a:t>2 a la 7 = 128</a:t>
+                      </a:r>
                     </a:p>
                   </a:txBody>
                   <a:tcPr marL="0" marR="0" marT="0" marB="0" anchor="ctr">
@@ -14241,15 +14475,18 @@
                           <a:spcPts val="1800"/>
                         </a:lnSpc>
                       </a:pPr>
-                      <a:endParaRPr lang="es-MX" sz="1400" b="0" dirty="0">
-                        <a:solidFill>
-                          <a:schemeClr val="tx1"/>
-                        </a:solidFill>
-                        <a:effectLst/>
-                        <a:latin typeface="Arial" panose="020B0604020202020204" pitchFamily="34" charset="0"/>
-                        <a:ea typeface="Calibri" panose="020F0502020204030204" pitchFamily="34" charset="0"/>
-                        <a:cs typeface="Arial" panose="020B0604020202020204" pitchFamily="34" charset="0"/>
-                      </a:endParaRPr>
+                      <a:r>
+                        <a:rPr lang="es-MX" sz="1400" b="0" dirty="0">
+                          <a:solidFill>
+                            <a:schemeClr val="tx1"/>
+                          </a:solidFill>
+                          <a:effectLst/>
+                          <a:latin typeface="Arial" panose="020B0604020202020204" pitchFamily="34" charset="0"/>
+                          <a:ea typeface="Calibri" panose="020F0502020204030204" pitchFamily="34" charset="0"/>
+                          <a:cs typeface="Arial" panose="020B0604020202020204" pitchFamily="34" charset="0"/>
+                        </a:rPr>
+                        <a:t>25</a:t>
+                      </a:r>
                     </a:p>
                   </a:txBody>
                   <a:tcPr marL="0" marR="0" marT="0" marB="0" anchor="ctr">
@@ -14517,15 +14754,18 @@
                           <a:spcPts val="1800"/>
                         </a:lnSpc>
                       </a:pPr>
-                      <a:endParaRPr lang="es-MX" sz="1400" b="0" dirty="0">
-                        <a:solidFill>
-                          <a:schemeClr val="tx1"/>
-                        </a:solidFill>
-                        <a:effectLst/>
-                        <a:latin typeface="Arial" panose="020B0604020202020204" pitchFamily="34" charset="0"/>
-                        <a:ea typeface="Calibri" panose="020F0502020204030204" pitchFamily="34" charset="0"/>
-                        <a:cs typeface="Arial" panose="020B0604020202020204" pitchFamily="34" charset="0"/>
-                      </a:endParaRPr>
+                      <a:r>
+                        <a:rPr lang="es-MX" sz="1400" b="0" dirty="0">
+                          <a:solidFill>
+                            <a:schemeClr val="tx1"/>
+                          </a:solidFill>
+                          <a:effectLst/>
+                          <a:latin typeface="Arial" panose="020B0604020202020204" pitchFamily="34" charset="0"/>
+                          <a:ea typeface="Calibri" panose="020F0502020204030204" pitchFamily="34" charset="0"/>
+                          <a:cs typeface="Arial" panose="020B0604020202020204" pitchFamily="34" charset="0"/>
+                        </a:rPr>
+                        <a:t>3</a:t>
+                      </a:r>
                     </a:p>
                   </a:txBody>
                   <a:tcPr marL="0" marR="0" marT="0" marB="0" anchor="ctr">
@@ -14572,6 +14812,68 @@
                   <a:txBody>
                     <a:bodyPr/>
                     <a:lstStyle/>
+                    <a:p>
+                      <a:pPr marL="3810" marR="0" lvl="0" indent="0" algn="ctr" defTabSz="914400" eaLnBrk="1" fontAlgn="auto" latinLnBrk="0" hangingPunct="1">
+                        <a:lnSpc>
+                          <a:spcPts val="1800"/>
+                        </a:lnSpc>
+                        <a:spcBef>
+                          <a:spcPts val="0"/>
+                        </a:spcBef>
+                        <a:spcAft>
+                          <a:spcPts val="0"/>
+                        </a:spcAft>
+                        <a:buClrTx/>
+                        <a:buSzTx/>
+                        <a:buFontTx/>
+                        <a:buNone/>
+                        <a:tabLst/>
+                        <a:defRPr/>
+                      </a:pPr>
+                      <a:r>
+                        <a:rPr lang="es-MX" sz="1400" b="1" dirty="0">
+                          <a:solidFill>
+                            <a:schemeClr val="tx1"/>
+                          </a:solidFill>
+                          <a:effectLst/>
+                          <a:latin typeface="Arial" panose="020B0604020202020204" pitchFamily="34" charset="0"/>
+                          <a:ea typeface="Calibri" panose="020F0502020204030204" pitchFamily="34" charset="0"/>
+                          <a:cs typeface="Arial" panose="020B0604020202020204" pitchFamily="34" charset="0"/>
+                        </a:rPr>
+                        <a:t>192.168.1.144</a:t>
+                      </a:r>
+                    </a:p>
+                    <a:p>
+                      <a:pPr marL="3810" marR="0" lvl="0" indent="0" algn="ctr" defTabSz="914400" eaLnBrk="1" fontAlgn="auto" latinLnBrk="0" hangingPunct="1">
+                        <a:lnSpc>
+                          <a:spcPts val="1800"/>
+                        </a:lnSpc>
+                        <a:spcBef>
+                          <a:spcPts val="0"/>
+                        </a:spcBef>
+                        <a:spcAft>
+                          <a:spcPts val="0"/>
+                        </a:spcAft>
+                        <a:buClrTx/>
+                        <a:buSzTx/>
+                        <a:buFontTx/>
+                        <a:buNone/>
+                        <a:tabLst/>
+                        <a:defRPr/>
+                      </a:pPr>
+                      <a:r>
+                        <a:rPr lang="es-MX" sz="1400" b="1" dirty="0">
+                          <a:solidFill>
+                            <a:schemeClr val="tx1"/>
+                          </a:solidFill>
+                          <a:effectLst/>
+                          <a:latin typeface="Arial" panose="020B0604020202020204" pitchFamily="34" charset="0"/>
+                          <a:ea typeface="Calibri" panose="020F0502020204030204" pitchFamily="34" charset="0"/>
+                          <a:cs typeface="Arial" panose="020B0604020202020204" pitchFamily="34" charset="0"/>
+                        </a:rPr>
+                        <a:t>.152</a:t>
+                      </a:r>
+                    </a:p>
                     <a:p>
                       <a:pPr marL="3810" algn="ctr">
                         <a:lnSpc>
@@ -14639,15 +14941,75 @@
                           <a:spcPts val="1800"/>
                         </a:lnSpc>
                       </a:pPr>
-                      <a:endParaRPr lang="es-MX" sz="1400" b="0" dirty="0">
-                        <a:solidFill>
-                          <a:schemeClr val="tx1"/>
-                        </a:solidFill>
-                        <a:effectLst/>
-                        <a:latin typeface="Arial" panose="020B0604020202020204" pitchFamily="34" charset="0"/>
-                        <a:ea typeface="Calibri" panose="020F0502020204030204" pitchFamily="34" charset="0"/>
-                        <a:cs typeface="Arial" panose="020B0604020202020204" pitchFamily="34" charset="0"/>
-                      </a:endParaRPr>
+                      <a:r>
+                        <a:rPr lang="es-MX" sz="1400" b="0" dirty="0">
+                          <a:solidFill>
+                            <a:schemeClr val="tx1"/>
+                          </a:solidFill>
+                          <a:effectLst/>
+                          <a:latin typeface="Arial" panose="020B0604020202020204" pitchFamily="34" charset="0"/>
+                          <a:ea typeface="Calibri" panose="020F0502020204030204" pitchFamily="34" charset="0"/>
+                          <a:cs typeface="Arial" panose="020B0604020202020204" pitchFamily="34" charset="0"/>
+                        </a:rPr>
+                        <a:t>255.255.255.11111000</a:t>
+                      </a:r>
+                    </a:p>
+                    <a:p>
+                      <a:pPr marL="5080" algn="ctr">
+                        <a:lnSpc>
+                          <a:spcPts val="1800"/>
+                        </a:lnSpc>
+                      </a:pPr>
+                      <a:r>
+                        <a:rPr lang="es-MX" sz="1400" b="0" dirty="0">
+                          <a:solidFill>
+                            <a:schemeClr val="tx1"/>
+                          </a:solidFill>
+                          <a:effectLst/>
+                          <a:latin typeface="Arial" panose="020B0604020202020204" pitchFamily="34" charset="0"/>
+                          <a:ea typeface="Calibri" panose="020F0502020204030204" pitchFamily="34" charset="0"/>
+                          <a:cs typeface="Arial" panose="020B0604020202020204" pitchFamily="34" charset="0"/>
+                        </a:rPr>
+                        <a:t> .248</a:t>
+                      </a:r>
+                    </a:p>
+                    <a:p>
+                      <a:pPr marL="5080" algn="ctr">
+                        <a:lnSpc>
+                          <a:spcPts val="1800"/>
+                        </a:lnSpc>
+                      </a:pPr>
+                      <a:r>
+                        <a:rPr lang="es-MX" sz="1400" b="0" dirty="0">
+                          <a:solidFill>
+                            <a:schemeClr val="tx1"/>
+                          </a:solidFill>
+                          <a:effectLst/>
+                          <a:latin typeface="Arial" panose="020B0604020202020204" pitchFamily="34" charset="0"/>
+                          <a:ea typeface="Calibri" panose="020F0502020204030204" pitchFamily="34" charset="0"/>
+                          <a:cs typeface="Arial" panose="020B0604020202020204" pitchFamily="34" charset="0"/>
+                        </a:rPr>
+                        <a:t>256 – 248 = 8</a:t>
+                      </a:r>
+                    </a:p>
+                    <a:p>
+                      <a:pPr marL="5080" algn="ctr">
+                        <a:lnSpc>
+                          <a:spcPts val="1800"/>
+                        </a:lnSpc>
+                      </a:pPr>
+                      <a:r>
+                        <a:rPr lang="es-MX" sz="1400" b="0" dirty="0">
+                          <a:solidFill>
+                            <a:schemeClr val="tx1"/>
+                          </a:solidFill>
+                          <a:effectLst/>
+                          <a:latin typeface="Arial" panose="020B0604020202020204" pitchFamily="34" charset="0"/>
+                          <a:ea typeface="Calibri" panose="020F0502020204030204" pitchFamily="34" charset="0"/>
+                          <a:cs typeface="Arial" panose="020B0604020202020204" pitchFamily="34" charset="0"/>
+                        </a:rPr>
+                        <a:t>2 a la 3 = 8</a:t>
+                      </a:r>
                     </a:p>
                   </a:txBody>
                   <a:tcPr marL="0" marR="0" marT="0" marB="0" anchor="ctr">
@@ -14700,15 +15062,18 @@
                           <a:spcPts val="1800"/>
                         </a:lnSpc>
                       </a:pPr>
-                      <a:endParaRPr lang="es-MX" sz="1400" b="0" dirty="0">
-                        <a:solidFill>
-                          <a:schemeClr val="tx1"/>
-                        </a:solidFill>
-                        <a:effectLst/>
-                        <a:latin typeface="Arial" panose="020B0604020202020204" pitchFamily="34" charset="0"/>
-                        <a:ea typeface="Calibri" panose="020F0502020204030204" pitchFamily="34" charset="0"/>
-                        <a:cs typeface="Arial" panose="020B0604020202020204" pitchFamily="34" charset="0"/>
-                      </a:endParaRPr>
+                      <a:r>
+                        <a:rPr lang="es-MX" sz="1400" b="0" dirty="0">
+                          <a:solidFill>
+                            <a:schemeClr val="tx1"/>
+                          </a:solidFill>
+                          <a:effectLst/>
+                          <a:latin typeface="Arial" panose="020B0604020202020204" pitchFamily="34" charset="0"/>
+                          <a:ea typeface="Calibri" panose="020F0502020204030204" pitchFamily="34" charset="0"/>
+                          <a:cs typeface="Arial" panose="020B0604020202020204" pitchFamily="34" charset="0"/>
+                        </a:rPr>
+                        <a:t>29</a:t>
+                      </a:r>
                     </a:p>
                   </a:txBody>
                   <a:tcPr marL="0" marR="0" marT="0" marB="0" anchor="ctr">
@@ -14972,15 +15337,18 @@
                         <a:tabLst/>
                         <a:defRPr/>
                       </a:pPr>
-                      <a:endParaRPr lang="es-MX" sz="1400" b="0" dirty="0">
-                        <a:solidFill>
-                          <a:schemeClr val="tx1"/>
-                        </a:solidFill>
-                        <a:effectLst/>
-                        <a:latin typeface="Arial" panose="020B0604020202020204" pitchFamily="34" charset="0"/>
-                        <a:ea typeface="Calibri" panose="020F0502020204030204" pitchFamily="34" charset="0"/>
-                        <a:cs typeface="Arial" panose="020B0604020202020204" pitchFamily="34" charset="0"/>
-                      </a:endParaRPr>
+                      <a:r>
+                        <a:rPr lang="es-MX" sz="1400" b="0" dirty="0">
+                          <a:solidFill>
+                            <a:schemeClr val="tx1"/>
+                          </a:solidFill>
+                          <a:effectLst/>
+                          <a:latin typeface="Arial" panose="020B0604020202020204" pitchFamily="34" charset="0"/>
+                          <a:ea typeface="Calibri" panose="020F0502020204030204" pitchFamily="34" charset="0"/>
+                          <a:cs typeface="Arial" panose="020B0604020202020204" pitchFamily="34" charset="0"/>
+                        </a:rPr>
+                        <a:t>4</a:t>
+                      </a:r>
                     </a:p>
                   </a:txBody>
                   <a:tcPr marL="0" marR="0" marT="0" marB="0" anchor="ctr">
@@ -15027,6 +15395,37 @@
                   <a:txBody>
                     <a:bodyPr/>
                     <a:lstStyle/>
+                    <a:p>
+                      <a:pPr marL="3810" marR="0" lvl="0" indent="0" algn="ctr" defTabSz="914400" eaLnBrk="1" fontAlgn="auto" latinLnBrk="0" hangingPunct="1">
+                        <a:lnSpc>
+                          <a:spcPts val="1800"/>
+                        </a:lnSpc>
+                        <a:spcBef>
+                          <a:spcPts val="0"/>
+                        </a:spcBef>
+                        <a:spcAft>
+                          <a:spcPts val="0"/>
+                        </a:spcAft>
+                        <a:buClrTx/>
+                        <a:buSzTx/>
+                        <a:buFontTx/>
+                        <a:buNone/>
+                        <a:tabLst/>
+                        <a:defRPr/>
+                      </a:pPr>
+                      <a:r>
+                        <a:rPr lang="es-MX" sz="1400" b="1" dirty="0">
+                          <a:solidFill>
+                            <a:schemeClr val="tx1"/>
+                          </a:solidFill>
+                          <a:effectLst/>
+                          <a:latin typeface="Arial" panose="020B0604020202020204" pitchFamily="34" charset="0"/>
+                          <a:ea typeface="Calibri" panose="020F0502020204030204" pitchFamily="34" charset="0"/>
+                          <a:cs typeface="Arial" panose="020B0604020202020204" pitchFamily="34" charset="0"/>
+                        </a:rPr>
+                        <a:t>192.168.1.152</a:t>
+                      </a:r>
+                    </a:p>
                     <a:p>
                       <a:pPr marL="3810" marR="0" lvl="0" indent="0" algn="ctr" defTabSz="914400" eaLnBrk="1" fontAlgn="auto" latinLnBrk="0" hangingPunct="1">
                         <a:lnSpc>
@@ -15106,15 +15505,37 @@
                           <a:spcPts val="1800"/>
                         </a:lnSpc>
                       </a:pPr>
-                      <a:endParaRPr lang="es-MX" sz="1400" b="0" dirty="0">
-                        <a:solidFill>
-                          <a:schemeClr val="tx1"/>
-                        </a:solidFill>
-                        <a:effectLst/>
-                        <a:latin typeface="Arial" panose="020B0604020202020204" pitchFamily="34" charset="0"/>
-                        <a:ea typeface="Calibri" panose="020F0502020204030204" pitchFamily="34" charset="0"/>
-                        <a:cs typeface="Arial" panose="020B0604020202020204" pitchFamily="34" charset="0"/>
-                      </a:endParaRPr>
+                      <a:r>
+                        <a:rPr lang="es-MX" sz="1400" b="0" dirty="0">
+                          <a:solidFill>
+                            <a:schemeClr val="tx1"/>
+                          </a:solidFill>
+                          <a:effectLst/>
+                          <a:latin typeface="Arial" panose="020B0604020202020204" pitchFamily="34" charset="0"/>
+                          <a:ea typeface="Calibri" panose="020F0502020204030204" pitchFamily="34" charset="0"/>
+                          <a:cs typeface="Arial" panose="020B0604020202020204" pitchFamily="34" charset="0"/>
+                        </a:rPr>
+                        <a:t>255.255.255.11111100</a:t>
+                      </a:r>
+                    </a:p>
+                    <a:p>
+                      <a:pPr marL="5080" algn="ctr">
+                        <a:lnSpc>
+                          <a:spcPts val="1800"/>
+                        </a:lnSpc>
+                      </a:pPr>
+                      <a:r>
+                        <a:rPr lang="es-MX" sz="1400" b="0" dirty="0">
+                          <a:solidFill>
+                            <a:schemeClr val="tx1"/>
+                          </a:solidFill>
+                          <a:effectLst/>
+                          <a:latin typeface="Arial" panose="020B0604020202020204" pitchFamily="34" charset="0"/>
+                          <a:ea typeface="Calibri" panose="020F0502020204030204" pitchFamily="34" charset="0"/>
+                          <a:cs typeface="Arial" panose="020B0604020202020204" pitchFamily="34" charset="0"/>
+                        </a:rPr>
+                        <a:t>  .252</a:t>
+                      </a:r>
                     </a:p>
                   </a:txBody>
                   <a:tcPr marL="0" marR="0" marT="0" marB="0" anchor="ctr">
@@ -15167,15 +15588,18 @@
                           <a:spcPts val="1800"/>
                         </a:lnSpc>
                       </a:pPr>
-                      <a:endParaRPr lang="es-MX" sz="1400" b="0" dirty="0">
-                        <a:solidFill>
-                          <a:schemeClr val="tx1"/>
-                        </a:solidFill>
-                        <a:effectLst/>
-                        <a:latin typeface="Arial" panose="020B0604020202020204" pitchFamily="34" charset="0"/>
-                        <a:ea typeface="Calibri" panose="020F0502020204030204" pitchFamily="34" charset="0"/>
-                        <a:cs typeface="Arial" panose="020B0604020202020204" pitchFamily="34" charset="0"/>
-                      </a:endParaRPr>
+                      <a:r>
+                        <a:rPr lang="es-MX" sz="1400" b="0" dirty="0">
+                          <a:solidFill>
+                            <a:schemeClr val="tx1"/>
+                          </a:solidFill>
+                          <a:effectLst/>
+                          <a:latin typeface="Arial" panose="020B0604020202020204" pitchFamily="34" charset="0"/>
+                          <a:ea typeface="Calibri" panose="020F0502020204030204" pitchFamily="34" charset="0"/>
+                          <a:cs typeface="Arial" panose="020B0604020202020204" pitchFamily="34" charset="0"/>
+                        </a:rPr>
+                        <a:t>30</a:t>
+                      </a:r>
                     </a:p>
                   </a:txBody>
                   <a:tcPr marL="0" marR="0" marT="0" marB="0" anchor="ctr">
@@ -15242,7 +15666,7 @@
         </p:nvSpPr>
         <p:spPr>
           <a:xfrm>
-            <a:off x="762000" y="3513738"/>
+            <a:off x="895905" y="5109489"/>
             <a:ext cx="3323730" cy="369332"/>
           </a:xfrm>
           <a:prstGeom prst="rect">
